--- a/PosterProyect.pptx
+++ b/PosterProyect.pptx
@@ -2,13 +2,13 @@
 <file path=ppt/presentation.xml><?xml version="1.0" encoding="utf-8"?>
 <p:presentation xmlns:a="http://schemas.openxmlformats.org/drawingml/2006/main" xmlns:r="http://schemas.openxmlformats.org/officeDocument/2006/relationships" xmlns:p="http://schemas.openxmlformats.org/presentationml/2006/main" strictFirstAndLastChars="0" saveSubsetFonts="1" autoCompressPictures="0">
   <p:sldMasterIdLst>
-    <p:sldMasterId id="2147483648" r:id="rId1"/>
+    <p:sldMasterId id="2147483648" r:id="rId4"/>
   </p:sldMasterIdLst>
   <p:notesMasterIdLst>
-    <p:notesMasterId r:id="rId3"/>
+    <p:notesMasterId r:id="rId6"/>
   </p:notesMasterIdLst>
   <p:sldIdLst>
-    <p:sldId id="256" r:id="rId2"/>
+    <p:sldId id="256" r:id="rId5"/>
   </p:sldIdLst>
   <p:sldSz cx="21607463" cy="43205400"/>
   <p:notesSz cx="6858000" cy="9144000"/>
@@ -287,10 +287,20 @@
       </p15:sldGuideLst>
     </p:ext>
     <p:ext uri="http://customooxmlschemas.google.com/">
-      <go:slidesCustomData xmlns="" xmlns:mc="http://schemas.openxmlformats.org/markup-compatibility/2006" xmlns:mv="urn:schemas-microsoft-com:mac:vml" xmlns:c="http://schemas.openxmlformats.org/drawingml/2006/chart" xmlns:dgm="http://schemas.openxmlformats.org/drawingml/2006/diagram" xmlns:o="urn:schemas-microsoft-com:office:office" xmlns:v="urn:schemas-microsoft-com:vml" xmlns:pvml="urn:schemas-microsoft-com:office:powerpoint" xmlns:com="http://schemas.openxmlformats.org/drawingml/2006/compatibility" xmlns:p14="http://schemas.microsoft.com/office/powerpoint/2010/main" xmlns:p15="http://schemas.microsoft.com/office/powerpoint/2012/main" xmlns:go="http://customooxmlschemas.google.com/" r:id="rId7" roundtripDataSignature="AMtx7mikYjNCgGV/2O2uv1anaAkZoHec/g=="/>
+      <go:slidesCustomData xmlns="" xmlns:go="http://customooxmlschemas.google.com/" xmlns:p15="http://schemas.microsoft.com/office/powerpoint/2012/main" xmlns:p14="http://schemas.microsoft.com/office/powerpoint/2010/main" xmlns:com="http://schemas.openxmlformats.org/drawingml/2006/compatibility" xmlns:pvml="urn:schemas-microsoft-com:office:powerpoint" xmlns:v="urn:schemas-microsoft-com:vml" xmlns:o="urn:schemas-microsoft-com:office:office" xmlns:dgm="http://schemas.openxmlformats.org/drawingml/2006/diagram" xmlns:c="http://schemas.openxmlformats.org/drawingml/2006/chart" xmlns:mv="urn:schemas-microsoft-com:mac:vml" xmlns:mc="http://schemas.openxmlformats.org/markup-compatibility/2006" r:id="rId7" roundtripDataSignature="AMtx7mikYjNCgGV/2O2uv1anaAkZoHec/g=="/>
     </p:ext>
   </p:extLst>
 </p:presentation>
+</file>
+
+<file path=ppt/revisionInfo.xml><?xml version="1.0" encoding="utf-8"?>
+<p1510:revInfo xmlns:a="http://schemas.openxmlformats.org/drawingml/2006/main" xmlns:r="http://schemas.openxmlformats.org/officeDocument/2006/relationships" xmlns:p1510="http://schemas.microsoft.com/office/powerpoint/2015/10/main">
+  <p1510:revLst>
+    <p1510:client id="{07C68631-6524-C749-A139-1B4F8D6338FE}" v="597" dt="2022-01-14T03:46:23.111"/>
+    <p1510:client id="{4D6CCE38-6741-4D17-9785-8DEF7107F37B}" v="1546" dt="2022-01-14T03:53:34.834"/>
+    <p1510:client id="{578CD2A5-BC8A-21E2-3D7C-F8567C56B16B}" v="588" dt="2022-01-14T03:10:46.595"/>
+  </p1510:revLst>
+</p1510:revInfo>
 </file>
 
 <file path=ppt/notesMasters/notesMaster1.xml><?xml version="1.0" encoding="utf-8"?>
@@ -785,7 +795,7 @@
               </a:spcAft>
               <a:buNone/>
             </a:pPr>
-            <a:endParaRPr dirty="0"/>
+            <a:endParaRPr/>
           </a:p>
         </p:txBody>
       </p:sp>
@@ -1557,7 +1567,7 @@
             </a:pPr>
             <a:fld id="{00000000-1234-1234-1234-123412341234}" type="slidenum">
               <a:rPr lang="es-ES"/>
-              <a:t>‹#›</a:t>
+              <a:t>‹Nº›</a:t>
             </a:fld>
             <a:endParaRPr/>
           </a:p>
@@ -2254,7 +2264,7 @@
             </a:pPr>
             <a:fld id="{00000000-1234-1234-1234-123412341234}" type="slidenum">
               <a:rPr lang="es-ES"/>
-              <a:t>‹#›</a:t>
+              <a:t>‹Nº›</a:t>
             </a:fld>
             <a:endParaRPr/>
           </a:p>
@@ -2951,7 +2961,7 @@
             </a:pPr>
             <a:fld id="{00000000-1234-1234-1234-123412341234}" type="slidenum">
               <a:rPr lang="es-ES"/>
-              <a:t>‹#›</a:t>
+              <a:t>‹Nº›</a:t>
             </a:fld>
             <a:endParaRPr/>
           </a:p>
@@ -3648,7 +3658,7 @@
             </a:pPr>
             <a:fld id="{00000000-1234-1234-1234-123412341234}" type="slidenum">
               <a:rPr lang="es-ES"/>
-              <a:t>‹#›</a:t>
+              <a:t>‹Nº›</a:t>
             </a:fld>
             <a:endParaRPr/>
           </a:p>
@@ -4382,7 +4392,7 @@
             </a:pPr>
             <a:fld id="{00000000-1234-1234-1234-123412341234}" type="slidenum">
               <a:rPr lang="es-ES"/>
-              <a:t>‹#›</a:t>
+              <a:t>‹Nº›</a:t>
             </a:fld>
             <a:endParaRPr/>
           </a:p>
@@ -5239,7 +5249,7 @@
             </a:pPr>
             <a:fld id="{00000000-1234-1234-1234-123412341234}" type="slidenum">
               <a:rPr lang="es-ES"/>
-              <a:t>‹#›</a:t>
+              <a:t>‹Nº›</a:t>
             </a:fld>
             <a:endParaRPr/>
           </a:p>
@@ -6417,7 +6427,7 @@
             </a:pPr>
             <a:fld id="{00000000-1234-1234-1234-123412341234}" type="slidenum">
               <a:rPr lang="es-ES"/>
-              <a:t>‹#›</a:t>
+              <a:t>‹Nº›</a:t>
             </a:fld>
             <a:endParaRPr/>
           </a:p>
@@ -6954,7 +6964,7 @@
             </a:pPr>
             <a:fld id="{00000000-1234-1234-1234-123412341234}" type="slidenum">
               <a:rPr lang="es-ES"/>
-              <a:t>‹#›</a:t>
+              <a:t>‹Nº›</a:t>
             </a:fld>
             <a:endParaRPr/>
           </a:p>
@@ -7355,7 +7365,7 @@
             </a:pPr>
             <a:fld id="{00000000-1234-1234-1234-123412341234}" type="slidenum">
               <a:rPr lang="es-ES"/>
-              <a:t>‹#›</a:t>
+              <a:t>‹Nº›</a:t>
             </a:fld>
             <a:endParaRPr/>
           </a:p>
@@ -8213,7 +8223,7 @@
             </a:pPr>
             <a:fld id="{00000000-1234-1234-1234-123412341234}" type="slidenum">
               <a:rPr lang="es-ES"/>
-              <a:t>‹#›</a:t>
+              <a:t>‹Nº›</a:t>
             </a:fld>
             <a:endParaRPr/>
           </a:p>
@@ -9152,7 +9162,7 @@
             </a:pPr>
             <a:fld id="{00000000-1234-1234-1234-123412341234}" type="slidenum">
               <a:rPr lang="es-ES"/>
-              <a:t>‹#›</a:t>
+              <a:t>‹Nº›</a:t>
             </a:fld>
             <a:endParaRPr/>
           </a:p>
@@ -10163,7 +10173,7 @@
             </a:pPr>
             <a:fld id="{00000000-1234-1234-1234-123412341234}" type="slidenum">
               <a:rPr lang="es-ES"/>
-              <a:t>‹#›</a:t>
+              <a:t>‹Nº›</a:t>
             </a:fld>
             <a:endParaRPr/>
           </a:p>
@@ -10918,13 +10928,13 @@
         </p:spPr>
         <p:txBody>
           <a:bodyPr spcFirstLastPara="1" wrap="square" lIns="288000" tIns="45700" rIns="288000" bIns="45700" anchor="ctr" anchorCtr="0">
-            <a:normAutofit/>
+            <a:normAutofit fontScale="92500" lnSpcReduction="20000"/>
           </a:bodyPr>
           <a:lstStyle/>
           <a:p>
             <a:pPr lvl="0" algn="ctr"/>
             <a:r>
-              <a:rPr lang="en-US" sz="8000" b="1" dirty="0">
+              <a:rPr lang="es-419" sz="8000" b="1">
                 <a:solidFill>
                   <a:schemeClr val="lt1"/>
                 </a:solidFill>
@@ -10933,9 +10943,9 @@
                 <a:cs typeface="Times New Roman" panose="02020603050405020304" pitchFamily="18" charset="0"/>
                 <a:sym typeface="Calibri"/>
               </a:rPr>
-              <a:t>TÍTULO</a:t>
+              <a:t>Modelo predictivo clasificador de monedas (divisa USD) a partir de imágenes</a:t>
             </a:r>
-            <a:endParaRPr sz="8000" dirty="0">
+            <a:endParaRPr lang="es-419" sz="8000">
               <a:latin typeface="Times New Roman" panose="02020603050405020304" pitchFamily="18" charset="0"/>
               <a:cs typeface="Times New Roman" panose="02020603050405020304" pitchFamily="18" charset="0"/>
             </a:endParaRPr>
@@ -10979,7 +10989,7 @@
               <a:buNone/>
             </a:pPr>
             <a:r>
-              <a:rPr lang="es-ES" sz="4000" b="1" i="0" u="none" strike="noStrike" cap="none" dirty="0">
+              <a:rPr lang="es-ES" sz="4000" b="1" i="0" u="none" strike="noStrike" cap="none">
                 <a:solidFill>
                   <a:schemeClr val="lt1"/>
                 </a:solidFill>
@@ -10990,7 +11000,7 @@
               </a:rPr>
               <a:t>PROBLEMA</a:t>
             </a:r>
-            <a:endParaRPr dirty="0">
+            <a:endParaRPr>
               <a:latin typeface="Times New Roman" panose="02020603050405020304" pitchFamily="18" charset="0"/>
               <a:cs typeface="Times New Roman" panose="02020603050405020304" pitchFamily="18" charset="0"/>
             </a:endParaRPr>
@@ -11026,7 +11036,7 @@
           <a:p>
             <a:pPr lvl="0"/>
             <a:r>
-              <a:rPr lang="es-ES" sz="4000" b="1" dirty="0">
+              <a:rPr lang="es-ES" sz="4000" b="1">
                 <a:solidFill>
                   <a:schemeClr val="lt1"/>
                 </a:solidFill>
@@ -11037,7 +11047,7 @@
               </a:rPr>
               <a:t>OBJETIVO  GENERAL</a:t>
             </a:r>
-            <a:endParaRPr dirty="0">
+            <a:endParaRPr>
               <a:latin typeface="Times New Roman" panose="02020603050405020304" pitchFamily="18" charset="0"/>
               <a:cs typeface="Times New Roman" panose="02020603050405020304" pitchFamily="18" charset="0"/>
             </a:endParaRPr>
@@ -11073,7 +11083,7 @@
           <a:p>
             <a:pPr lvl="0"/>
             <a:r>
-              <a:rPr lang="es-ES" sz="4000" b="1" dirty="0">
+              <a:rPr lang="es-ES" sz="4000" b="1">
                 <a:solidFill>
                   <a:schemeClr val="lt1"/>
                 </a:solidFill>
@@ -11084,7 +11094,7 @@
               </a:rPr>
               <a:t>SOLUCIÓN</a:t>
             </a:r>
-            <a:endParaRPr dirty="0">
+            <a:endParaRPr>
               <a:latin typeface="Times New Roman" panose="02020603050405020304" pitchFamily="18" charset="0"/>
               <a:cs typeface="Times New Roman" panose="02020603050405020304" pitchFamily="18" charset="0"/>
             </a:endParaRPr>
@@ -11120,7 +11130,7 @@
           <a:p>
             <a:pPr lvl="0"/>
             <a:r>
-              <a:rPr lang="es-ES" sz="4000" b="1" dirty="0">
+              <a:rPr lang="es-ES" sz="4000" b="1">
                 <a:solidFill>
                   <a:schemeClr val="lt1"/>
                 </a:solidFill>
@@ -11131,7 +11141,7 @@
               </a:rPr>
               <a:t>RESULTADOS</a:t>
             </a:r>
-            <a:endParaRPr dirty="0">
+            <a:endParaRPr>
               <a:latin typeface="Times New Roman" panose="02020603050405020304" pitchFamily="18" charset="0"/>
               <a:cs typeface="Times New Roman" panose="02020603050405020304" pitchFamily="18" charset="0"/>
             </a:endParaRPr>
@@ -11167,7 +11177,7 @@
           <a:p>
             <a:pPr lvl="0"/>
             <a:r>
-              <a:rPr lang="es-ES" sz="4000" b="1" dirty="0">
+              <a:rPr lang="es-ES" sz="4000" b="1">
                 <a:solidFill>
                   <a:schemeClr val="lt1"/>
                 </a:solidFill>
@@ -11178,7 +11188,7 @@
               </a:rPr>
               <a:t>CONCLUSIONES</a:t>
             </a:r>
-            <a:endParaRPr dirty="0">
+            <a:endParaRPr>
               <a:latin typeface="Times New Roman" panose="02020603050405020304" pitchFamily="18" charset="0"/>
               <a:cs typeface="Times New Roman" panose="02020603050405020304" pitchFamily="18" charset="0"/>
             </a:endParaRPr>
@@ -11299,7 +11309,7 @@
               <a:buNone/>
             </a:pPr>
             <a:r>
-              <a:rPr lang="es-ES" sz="2500" dirty="0" err="1">
+              <a:rPr lang="es-ES" sz="2500" dirty="0">
                 <a:solidFill>
                   <a:srgbClr val="595959"/>
                 </a:solidFill>
@@ -11308,7 +11318,7 @@
                 <a:cs typeface="Times New Roman" panose="02020603050405020304" pitchFamily="18" charset="0"/>
                 <a:sym typeface="Calibri"/>
               </a:rPr>
-              <a:t>xxxx@espol.edu.ec</a:t>
+              <a:t>jacobos@espol.edu.ec</a:t>
             </a:r>
             <a:endParaRPr dirty="0">
               <a:latin typeface="Times New Roman" panose="02020603050405020304" pitchFamily="18" charset="0"/>
@@ -11405,7 +11415,7 @@
               <a:buNone/>
             </a:pPr>
             <a:r>
-              <a:rPr lang="es-ES" sz="2500" dirty="0" err="1">
+              <a:rPr lang="es-ES" sz="2500" dirty="0">
                 <a:solidFill>
                   <a:srgbClr val="595959"/>
                 </a:solidFill>
@@ -11414,7 +11424,7 @@
                 <a:cs typeface="Times New Roman" panose="02020603050405020304" pitchFamily="18" charset="0"/>
                 <a:sym typeface="Calibri"/>
               </a:rPr>
-              <a:t>xxxx@espol.edu.ec</a:t>
+              <a:t>famagalla@espol.edu.ec</a:t>
             </a:r>
             <a:endParaRPr dirty="0">
               <a:latin typeface="Times New Roman" panose="02020603050405020304" pitchFamily="18" charset="0"/>
@@ -11510,7 +11520,7 @@
               <a:buNone/>
             </a:pPr>
             <a:r>
-              <a:rPr lang="en-US" sz="2500" dirty="0">
+              <a:rPr lang="en-US" sz="2500">
                 <a:solidFill>
                   <a:srgbClr val="5F497A"/>
                 </a:solidFill>
@@ -11521,7 +11531,7 @@
               </a:rPr>
               <a:t>Autor 3</a:t>
             </a:r>
-            <a:endParaRPr dirty="0">
+            <a:endParaRPr>
               <a:latin typeface="Times New Roman" panose="02020603050405020304" pitchFamily="18" charset="0"/>
               <a:cs typeface="Times New Roman" panose="02020603050405020304" pitchFamily="18" charset="0"/>
             </a:endParaRPr>
@@ -11537,7 +11547,7 @@
               <a:buNone/>
             </a:pPr>
             <a:r>
-              <a:rPr lang="es-ES" sz="2500" dirty="0" err="1">
+              <a:rPr lang="es-ES" sz="2500">
                 <a:solidFill>
                   <a:srgbClr val="595959"/>
                 </a:solidFill>
@@ -11546,9 +11556,9 @@
                 <a:cs typeface="Times New Roman" panose="02020603050405020304" pitchFamily="18" charset="0"/>
                 <a:sym typeface="Calibri"/>
               </a:rPr>
-              <a:t>xxxx@espol.edu.ec</a:t>
+              <a:t>axvargas@espol.edu.ec</a:t>
             </a:r>
-            <a:endParaRPr dirty="0">
+            <a:endParaRPr>
               <a:latin typeface="Times New Roman" panose="02020603050405020304" pitchFamily="18" charset="0"/>
               <a:cs typeface="Times New Roman" panose="02020603050405020304" pitchFamily="18" charset="0"/>
             </a:endParaRPr>
@@ -11564,7 +11574,7 @@
               <a:buNone/>
             </a:pPr>
             <a:r>
-              <a:rPr lang="en-US" sz="2500" dirty="0">
+              <a:rPr lang="en-US" sz="2500">
                 <a:solidFill>
                   <a:srgbClr val="595959"/>
                 </a:solidFill>
@@ -11575,7 +11585,7 @@
               </a:rPr>
               <a:t>FIEC</a:t>
             </a:r>
-            <a:endParaRPr sz="2500" dirty="0">
+            <a:endParaRPr sz="2500">
               <a:solidFill>
                 <a:srgbClr val="595959"/>
               </a:solidFill>
@@ -11595,7 +11605,7 @@
               </a:spcAft>
               <a:buNone/>
             </a:pPr>
-            <a:endParaRPr sz="2500" dirty="0">
+            <a:endParaRPr sz="2500">
               <a:solidFill>
                 <a:srgbClr val="595959"/>
               </a:solidFill>
@@ -11641,8 +11651,8 @@
         </p:nvSpPr>
         <p:spPr>
           <a:xfrm>
-            <a:off x="1431922" y="8451232"/>
-            <a:ext cx="18864662" cy="461665"/>
+            <a:off x="1435097" y="8182775"/>
+            <a:ext cx="18864662" cy="1846659"/>
           </a:xfrm>
           <a:prstGeom prst="rect">
             <a:avLst/>
@@ -11660,7 +11670,7 @@
           <a:p>
             <a:pPr lvl="0" algn="just"/>
             <a:r>
-              <a:rPr lang="es-ES_tradnl" sz="3000">
+              <a:rPr lang="es-ES" sz="3000" dirty="0">
                 <a:solidFill>
                   <a:srgbClr val="595959"/>
                 </a:solidFill>
@@ -11669,8 +11679,29 @@
                 <a:cs typeface="Times New Roman" panose="02020603050405020304" pitchFamily="18" charset="0"/>
                 <a:sym typeface="Calibri"/>
               </a:rPr>
-              <a:t>Descripción del problema específico</a:t>
+              <a:t>Existen ocasiones en las que los cajeros de los supermercados o las tiendas de tu barrio, tienen mucho suelto, y puede llegar a parecer una pérdida de tiempo estar contando de moneda en moneda. O en una reunión con amigos, cuando todos desean juntar el suelto comida rápida. Si existiera una solución que permitiera detectar los tipos de monedas que se encuentran en una imagen para clasificarlas estás situaciones </a:t>
             </a:r>
+            <a:r>
+              <a:rPr lang="es-ES" sz="3000">
+                <a:solidFill>
+                  <a:srgbClr val="595959"/>
+                </a:solidFill>
+                <a:latin typeface="Times New Roman" panose="02020603050405020304" pitchFamily="18" charset="0"/>
+                <a:ea typeface="Calibri"/>
+                <a:cs typeface="Times New Roman" panose="02020603050405020304" pitchFamily="18" charset="0"/>
+                <a:sym typeface="Calibri"/>
+              </a:rPr>
+              <a:t>dejarían de ser tediosas.</a:t>
+            </a:r>
+            <a:endParaRPr lang="es-ES_tradnl" sz="3000" dirty="0">
+              <a:solidFill>
+                <a:srgbClr val="595959"/>
+              </a:solidFill>
+              <a:latin typeface="Times New Roman" panose="02020603050405020304" pitchFamily="18" charset="0"/>
+              <a:ea typeface="Calibri"/>
+              <a:cs typeface="Times New Roman" panose="02020603050405020304" pitchFamily="18" charset="0"/>
+              <a:sym typeface="Calibri"/>
+            </a:endParaRPr>
           </a:p>
         </p:txBody>
       </p:sp>
@@ -11682,8 +11713,8 @@
         </p:nvSpPr>
         <p:spPr>
           <a:xfrm>
-            <a:off x="1435098" y="11990440"/>
-            <a:ext cx="9718677" cy="461665"/>
+            <a:off x="1435099" y="11990440"/>
+            <a:ext cx="8928198" cy="923330"/>
           </a:xfrm>
           <a:prstGeom prst="rect">
             <a:avLst/>
@@ -11699,21 +11730,18 @@
           </a:bodyPr>
           <a:lstStyle/>
           <a:p>
-            <a:pPr marL="457200" lvl="0" indent="-457200" algn="just">
-              <a:buFont typeface="Arial" panose="020B0604020202020204" pitchFamily="34" charset="0"/>
-              <a:buChar char="•"/>
-            </a:pPr>
+            <a:pPr lvl="0" algn="just"/>
             <a:r>
-              <a:rPr lang="es-ES_tradnl" sz="3000">
+              <a:rPr lang="es-ES" sz="3000" dirty="0">
                 <a:solidFill>
                   <a:srgbClr val="595959"/>
                 </a:solidFill>
-                <a:latin typeface="Times New Roman" panose="02020603050405020304" pitchFamily="18" charset="0"/>
+                <a:latin typeface="Times New Roman"/>
                 <a:ea typeface="Calibri"/>
-                <a:cs typeface="Times New Roman" panose="02020603050405020304" pitchFamily="18" charset="0"/>
+                <a:cs typeface="Times New Roman"/>
                 <a:sym typeface="Calibri"/>
               </a:rPr>
-              <a:t>Descripción objetivos.</a:t>
+              <a:t>Generar un modelo capaz de reconocer de patrones para la identificación y clasificación de monedas USD.</a:t>
             </a:r>
           </a:p>
         </p:txBody>
@@ -11727,141 +11755,7 @@
         <p:spPr>
           <a:xfrm>
             <a:off x="1435097" y="37573639"/>
-            <a:ext cx="9718675" cy="461665"/>
-          </a:xfrm>
-          <a:prstGeom prst="rect">
-            <a:avLst/>
-          </a:prstGeom>
-          <a:noFill/>
-          <a:ln>
-            <a:noFill/>
-          </a:ln>
-        </p:spPr>
-        <p:txBody>
-          <a:bodyPr spcFirstLastPara="1" wrap="square" lIns="0" tIns="0" rIns="0" bIns="0" anchor="t" anchorCtr="0">
-            <a:spAutoFit/>
-          </a:bodyPr>
-          <a:lstStyle/>
-          <a:p>
-            <a:pPr marL="342900" lvl="0" indent="-342900" algn="just">
-              <a:buClr>
-                <a:srgbClr val="595959"/>
-              </a:buClr>
-              <a:buSzPts val="3000"/>
-              <a:buFont typeface="Noto Sans Symbols"/>
-              <a:buChar char="▪"/>
-            </a:pPr>
-            <a:r>
-              <a:rPr lang="es-ES_tradnl" sz="3000">
-                <a:solidFill>
-                  <a:srgbClr val="595959"/>
-                </a:solidFill>
-                <a:latin typeface="Times New Roman" panose="02020603050405020304" pitchFamily="18" charset="0"/>
-                <a:cs typeface="Times New Roman" panose="02020603050405020304" pitchFamily="18" charset="0"/>
-                <a:sym typeface="Calibri"/>
-              </a:rPr>
-              <a:t>Descripción de las conclusiones.</a:t>
-            </a:r>
-          </a:p>
-        </p:txBody>
-      </p:sp>
-      <p:sp>
-        <p:nvSpPr>
-          <p:cNvPr id="98" name="Google Shape;98;p1"/>
-          <p:cNvSpPr txBox="1"/>
-          <p:nvPr/>
-        </p:nvSpPr>
-        <p:spPr>
-          <a:xfrm>
-            <a:off x="1435099" y="16889457"/>
-            <a:ext cx="9718676" cy="461665"/>
-          </a:xfrm>
-          <a:prstGeom prst="rect">
-            <a:avLst/>
-          </a:prstGeom>
-          <a:noFill/>
-          <a:ln>
-            <a:noFill/>
-          </a:ln>
-        </p:spPr>
-        <p:txBody>
-          <a:bodyPr spcFirstLastPara="1" wrap="square" lIns="0" tIns="0" rIns="0" bIns="0" anchor="t" anchorCtr="0">
-            <a:spAutoFit/>
-          </a:bodyPr>
-          <a:lstStyle/>
-          <a:p>
-            <a:pPr marL="457200" lvl="0" indent="-457200" algn="just">
-              <a:buFont typeface="Arial" panose="020B0604020202020204" pitchFamily="34" charset="0"/>
-              <a:buChar char="•"/>
-            </a:pPr>
-            <a:r>
-              <a:rPr lang="es-ES_tradnl" sz="3000">
-                <a:solidFill>
-                  <a:srgbClr val="595959"/>
-                </a:solidFill>
-                <a:latin typeface="Times New Roman" panose="02020603050405020304" pitchFamily="18" charset="0"/>
-                <a:cs typeface="Times New Roman" panose="02020603050405020304" pitchFamily="18" charset="0"/>
-                <a:sym typeface="Calibri"/>
-              </a:rPr>
-              <a:t>Descripción de la solución</a:t>
-            </a:r>
-          </a:p>
-        </p:txBody>
-      </p:sp>
-      <p:sp>
-        <p:nvSpPr>
-          <p:cNvPr id="99" name="Google Shape;99;p1"/>
-          <p:cNvSpPr txBox="1"/>
-          <p:nvPr/>
-        </p:nvSpPr>
-        <p:spPr>
-          <a:xfrm>
-            <a:off x="1435097" y="27380187"/>
-            <a:ext cx="9718675" cy="461665"/>
-          </a:xfrm>
-          <a:prstGeom prst="rect">
-            <a:avLst/>
-          </a:prstGeom>
-          <a:noFill/>
-          <a:ln>
-            <a:noFill/>
-          </a:ln>
-        </p:spPr>
-        <p:txBody>
-          <a:bodyPr spcFirstLastPara="1" wrap="square" lIns="0" tIns="0" rIns="0" bIns="0" anchor="t" anchorCtr="0">
-            <a:spAutoFit/>
-          </a:bodyPr>
-          <a:lstStyle/>
-          <a:p>
-            <a:pPr marL="457200" lvl="0" indent="-457200" algn="just">
-              <a:buFont typeface="Arial" panose="020B0604020202020204" pitchFamily="34" charset="0"/>
-              <a:buChar char="•"/>
-            </a:pPr>
-            <a:r>
-              <a:rPr lang="es-ES_tradnl" sz="3000" dirty="0">
-                <a:solidFill>
-                  <a:srgbClr val="595959"/>
-                </a:solidFill>
-                <a:latin typeface="Times New Roman" panose="02020603050405020304" pitchFamily="18" charset="0"/>
-                <a:ea typeface="Calibri"/>
-                <a:cs typeface="Times New Roman" panose="02020603050405020304" pitchFamily="18" charset="0"/>
-                <a:sym typeface="Calibri"/>
-              </a:rPr>
-              <a:t>Descripción de los resultados.</a:t>
-            </a:r>
-          </a:p>
-        </p:txBody>
-      </p:sp>
-      <p:sp>
-        <p:nvSpPr>
-          <p:cNvPr id="100" name="Google Shape;100;p1"/>
-          <p:cNvSpPr txBox="1"/>
-          <p:nvPr/>
-        </p:nvSpPr>
-        <p:spPr>
-          <a:xfrm>
-            <a:off x="12232322" y="37573639"/>
-            <a:ext cx="8064262" cy="923330"/>
+            <a:ext cx="9718675" cy="4154984"/>
           </a:xfrm>
           <a:prstGeom prst="rect">
             <a:avLst/>
@@ -11886,7 +11780,473 @@
               <a:buChar char="▪"/>
             </a:pPr>
             <a:r>
-              <a:rPr lang="es-ES_tradnl" sz="3000">
+              <a:rPr lang="es-ES_tradnl" sz="3000" dirty="0">
+                <a:solidFill>
+                  <a:srgbClr val="595959"/>
+                </a:solidFill>
+                <a:latin typeface="Times New Roman"/>
+                <a:cs typeface="Times New Roman"/>
+                <a:sym typeface="Calibri"/>
+              </a:rPr>
+              <a:t>El uso de herramientas web como </a:t>
+            </a:r>
+            <a:r>
+              <a:rPr lang="es-ES_tradnl" sz="3000" dirty="0" err="1">
+                <a:solidFill>
+                  <a:srgbClr val="595959"/>
+                </a:solidFill>
+                <a:latin typeface="Times New Roman"/>
+                <a:cs typeface="Times New Roman"/>
+                <a:sym typeface="Calibri"/>
+              </a:rPr>
+              <a:t>hasty.ia</a:t>
+            </a:r>
+            <a:r>
+              <a:rPr lang="es-ES_tradnl" sz="3000" dirty="0">
+                <a:solidFill>
+                  <a:srgbClr val="595959"/>
+                </a:solidFill>
+                <a:latin typeface="Times New Roman"/>
+                <a:cs typeface="Times New Roman"/>
+                <a:sym typeface="Calibri"/>
+              </a:rPr>
+              <a:t> acelera el proceso de etiquetado, se lograron etiquetar alrededor de 1200 imágenes en 3 días.</a:t>
+            </a:r>
+            <a:endParaRPr lang="es-ES_tradnl" sz="3000" dirty="0">
+              <a:solidFill>
+                <a:srgbClr val="595959"/>
+              </a:solidFill>
+              <a:latin typeface="Times New Roman"/>
+              <a:cs typeface="Times New Roman"/>
+            </a:endParaRPr>
+          </a:p>
+          <a:p>
+            <a:pPr marL="342900" indent="-342900" algn="just">
+              <a:buClr>
+                <a:srgbClr val="595959"/>
+              </a:buClr>
+              <a:buSzPts val="3000"/>
+              <a:buFont typeface="Noto Sans Symbols"/>
+              <a:buChar char="▪"/>
+            </a:pPr>
+            <a:r>
+              <a:rPr lang="es-ES_tradnl" sz="3000" dirty="0">
+                <a:solidFill>
+                  <a:srgbClr val="595959"/>
+                </a:solidFill>
+                <a:latin typeface="Times New Roman"/>
+                <a:cs typeface="Times New Roman"/>
+              </a:rPr>
+              <a:t>Se usó una estrategia de carga dinámica de dataset, para cargar y aplicar transformaciones por lotes los ejemplo, con la finalidad de superar la limitación de hardware que se tenía.</a:t>
+            </a:r>
+          </a:p>
+          <a:p>
+            <a:pPr marL="342900" indent="-342900" algn="just">
+              <a:buClr>
+                <a:srgbClr val="595959"/>
+              </a:buClr>
+              <a:buSzPts val="3000"/>
+              <a:buFont typeface="Noto Sans Symbols"/>
+              <a:buChar char="▪"/>
+            </a:pPr>
+            <a:r>
+              <a:rPr lang="es-ES_tradnl" sz="3000" dirty="0">
+                <a:solidFill>
+                  <a:srgbClr val="595959"/>
+                </a:solidFill>
+                <a:latin typeface="Times New Roman"/>
+                <a:cs typeface="Times New Roman"/>
+              </a:rPr>
+              <a:t>El uso técnicas de aumento de datos permite ahorrar tiempo de etiquetado.</a:t>
+            </a:r>
+          </a:p>
+        </p:txBody>
+      </p:sp>
+      <p:sp>
+        <p:nvSpPr>
+          <p:cNvPr id="98" name="Google Shape;98;p1"/>
+          <p:cNvSpPr txBox="1"/>
+          <p:nvPr/>
+        </p:nvSpPr>
+        <p:spPr>
+          <a:xfrm>
+            <a:off x="1435099" y="16889457"/>
+            <a:ext cx="7880350" cy="5539978"/>
+          </a:xfrm>
+          <a:prstGeom prst="rect">
+            <a:avLst/>
+          </a:prstGeom>
+          <a:noFill/>
+          <a:ln>
+            <a:noFill/>
+          </a:ln>
+        </p:spPr>
+        <p:txBody>
+          <a:bodyPr spcFirstLastPara="1" wrap="square" lIns="0" tIns="0" rIns="0" bIns="0" anchor="t" anchorCtr="0">
+            <a:spAutoFit/>
+          </a:bodyPr>
+          <a:lstStyle/>
+          <a:p>
+            <a:pPr algn="just"/>
+            <a:r>
+              <a:rPr lang="es-ES_tradnl" sz="3000" dirty="0">
+                <a:solidFill>
+                  <a:srgbClr val="595959"/>
+                </a:solidFill>
+                <a:latin typeface="Times New Roman"/>
+                <a:cs typeface="Times New Roman"/>
+                <a:sym typeface="Calibri"/>
+              </a:rPr>
+              <a:t>Se puede ver que para la fase de entrenamiento se contará con un dataset con imágenes de divisas y sus respectivas etiquetas. Cada imagen tendrá asociado un archivo de etiqueta, el cual contendrá la clase del objeto encontrado junto con los límites de píxeles en los que se encuentra incluyendo el alto y ancho.</a:t>
+            </a:r>
+            <a:endParaRPr lang="es-ES_tradnl" sz="3000" dirty="0">
+              <a:solidFill>
+                <a:srgbClr val="595959"/>
+              </a:solidFill>
+              <a:latin typeface="Times New Roman"/>
+              <a:cs typeface="Times New Roman"/>
+            </a:endParaRPr>
+          </a:p>
+          <a:p>
+            <a:pPr algn="just"/>
+            <a:endParaRPr lang="es-ES_tradnl" sz="3000" dirty="0">
+              <a:solidFill>
+                <a:srgbClr val="595959"/>
+              </a:solidFill>
+              <a:latin typeface="Times New Roman"/>
+              <a:cs typeface="Times New Roman"/>
+              <a:sym typeface="Calibri"/>
+            </a:endParaRPr>
+          </a:p>
+          <a:p>
+            <a:pPr algn="just"/>
+            <a:r>
+              <a:rPr lang="es-ES_tradnl" sz="3000" dirty="0">
+                <a:solidFill>
+                  <a:srgbClr val="595959"/>
+                </a:solidFill>
+                <a:latin typeface="Times New Roman"/>
+                <a:cs typeface="Times New Roman"/>
+                <a:sym typeface="Calibri"/>
+              </a:rPr>
+              <a:t>Las imágenes serán usadas para entrenar el modelo para poder reconocer de manera correcta los diferentes tipos de divisas.</a:t>
+            </a:r>
+          </a:p>
+          <a:p>
+            <a:pPr marL="457200" indent="-457200" algn="just">
+              <a:buFont typeface="Arial" panose="020B0604020202020204" pitchFamily="34" charset="0"/>
+              <a:buChar char="•"/>
+            </a:pPr>
+            <a:endParaRPr lang="es-ES_tradnl" sz="3000" dirty="0">
+              <a:solidFill>
+                <a:srgbClr val="595959"/>
+              </a:solidFill>
+              <a:latin typeface="Times New Roman" panose="02020603050405020304" pitchFamily="18" charset="0"/>
+              <a:cs typeface="Times New Roman" panose="02020603050405020304" pitchFamily="18" charset="0"/>
+            </a:endParaRPr>
+          </a:p>
+        </p:txBody>
+      </p:sp>
+      <p:sp>
+        <p:nvSpPr>
+          <p:cNvPr id="99" name="Google Shape;99;p1"/>
+          <p:cNvSpPr txBox="1"/>
+          <p:nvPr/>
+        </p:nvSpPr>
+        <p:spPr>
+          <a:xfrm>
+            <a:off x="1435097" y="27380187"/>
+            <a:ext cx="9718675" cy="5078313"/>
+          </a:xfrm>
+          <a:prstGeom prst="rect">
+            <a:avLst/>
+          </a:prstGeom>
+          <a:noFill/>
+          <a:ln>
+            <a:noFill/>
+          </a:ln>
+        </p:spPr>
+        <p:txBody>
+          <a:bodyPr spcFirstLastPara="1" wrap="square" lIns="0" tIns="0" rIns="0" bIns="0" anchor="t" anchorCtr="0">
+            <a:spAutoFit/>
+          </a:bodyPr>
+          <a:lstStyle/>
+          <a:p>
+            <a:pPr lvl="0" algn="just"/>
+            <a:r>
+              <a:rPr lang="es-ES_tradnl" sz="3000" dirty="0">
+                <a:solidFill>
+                  <a:srgbClr val="595959"/>
+                </a:solidFill>
+                <a:latin typeface="Times New Roman"/>
+                <a:ea typeface="Calibri"/>
+                <a:cs typeface="Times New Roman"/>
+                <a:sym typeface="Calibri"/>
+              </a:rPr>
+              <a:t>Obtuvimos un modelo entrenado para reconocer divisas USD con las siguientes m</a:t>
+            </a:r>
+            <a:r>
+              <a:rPr lang="es-ES" sz="3000" dirty="0">
+                <a:solidFill>
+                  <a:srgbClr val="595959"/>
+                </a:solidFill>
+                <a:latin typeface="Times New Roman"/>
+                <a:ea typeface="Calibri"/>
+                <a:cs typeface="Times New Roman"/>
+                <a:sym typeface="Calibri"/>
+              </a:rPr>
+              <a:t>métricas de precisión</a:t>
+            </a:r>
+            <a:r>
+              <a:rPr lang="en-US" sz="3000" dirty="0">
+                <a:solidFill>
+                  <a:srgbClr val="595959"/>
+                </a:solidFill>
+                <a:latin typeface="Times New Roman"/>
+                <a:ea typeface="Calibri"/>
+                <a:cs typeface="Times New Roman"/>
+                <a:sym typeface="Calibri"/>
+              </a:rPr>
+              <a:t>:</a:t>
+            </a:r>
+          </a:p>
+          <a:p>
+            <a:pPr marL="457200" lvl="0" indent="-457200" algn="just">
+              <a:buFont typeface="Wingdings" panose="05000000000000000000" pitchFamily="2" charset="2"/>
+              <a:buChar char="§"/>
+            </a:pPr>
+            <a:endParaRPr lang="en-US" sz="3000" dirty="0">
+              <a:solidFill>
+                <a:srgbClr val="595959"/>
+              </a:solidFill>
+              <a:latin typeface="Times New Roman" panose="02020603050405020304" pitchFamily="18" charset="0"/>
+              <a:ea typeface="Calibri"/>
+              <a:cs typeface="Times New Roman" panose="02020603050405020304" pitchFamily="18" charset="0"/>
+              <a:sym typeface="Calibri"/>
+            </a:endParaRPr>
+          </a:p>
+          <a:p>
+            <a:pPr marL="457200" lvl="0" indent="-457200" algn="just">
+              <a:buClr>
+                <a:schemeClr val="tx1">
+                  <a:lumMod val="50000"/>
+                  <a:lumOff val="50000"/>
+                </a:schemeClr>
+              </a:buClr>
+              <a:buFont typeface="Wingdings" panose="05000000000000000000" pitchFamily="2" charset="2"/>
+              <a:buChar char="§"/>
+            </a:pPr>
+            <a:r>
+              <a:rPr lang="en-US" sz="3000" dirty="0">
+                <a:solidFill>
+                  <a:srgbClr val="595959"/>
+                </a:solidFill>
+                <a:latin typeface="Times New Roman"/>
+                <a:ea typeface="Calibri"/>
+                <a:cs typeface="Times New Roman"/>
+                <a:sym typeface="Calibri"/>
+              </a:rPr>
+              <a:t>Class accuracy: 90.75 %</a:t>
+            </a:r>
+            <a:endParaRPr lang="en-US" sz="3000" dirty="0">
+              <a:solidFill>
+                <a:srgbClr val="595959"/>
+              </a:solidFill>
+              <a:latin typeface="Times New Roman"/>
+              <a:ea typeface="Calibri"/>
+              <a:cs typeface="Times New Roman"/>
+            </a:endParaRPr>
+          </a:p>
+          <a:p>
+            <a:pPr marL="457200" lvl="0" indent="-457200" algn="just">
+              <a:buClr>
+                <a:schemeClr val="tx1">
+                  <a:lumMod val="50000"/>
+                  <a:lumOff val="50000"/>
+                </a:schemeClr>
+              </a:buClr>
+              <a:buFont typeface="Wingdings" panose="05000000000000000000" pitchFamily="2" charset="2"/>
+              <a:buChar char="§"/>
+            </a:pPr>
+            <a:r>
+              <a:rPr lang="en-US" sz="3000" dirty="0">
+                <a:solidFill>
+                  <a:srgbClr val="595959"/>
+                </a:solidFill>
+                <a:latin typeface="Times New Roman"/>
+                <a:ea typeface="Calibri"/>
+                <a:cs typeface="Times New Roman"/>
+                <a:sym typeface="Calibri"/>
+              </a:rPr>
+              <a:t>No object accuracy: 99.82%.</a:t>
+            </a:r>
+            <a:endParaRPr lang="en-US" sz="3000" dirty="0">
+              <a:solidFill>
+                <a:srgbClr val="595959"/>
+              </a:solidFill>
+              <a:latin typeface="Times New Roman"/>
+              <a:ea typeface="Calibri"/>
+              <a:cs typeface="Times New Roman"/>
+            </a:endParaRPr>
+          </a:p>
+          <a:p>
+            <a:pPr marL="457200" lvl="0" indent="-457200" algn="just">
+              <a:buClr>
+                <a:schemeClr val="tx1">
+                  <a:lumMod val="50000"/>
+                  <a:lumOff val="50000"/>
+                </a:schemeClr>
+              </a:buClr>
+              <a:buFont typeface="Wingdings" panose="05000000000000000000" pitchFamily="2" charset="2"/>
+              <a:buChar char="§"/>
+            </a:pPr>
+            <a:r>
+              <a:rPr lang="en-US" sz="3000" dirty="0">
+                <a:solidFill>
+                  <a:srgbClr val="595959"/>
+                </a:solidFill>
+                <a:latin typeface="Times New Roman"/>
+                <a:ea typeface="Calibri"/>
+                <a:cs typeface="Times New Roman"/>
+                <a:sym typeface="Calibri"/>
+              </a:rPr>
+              <a:t>Object accuracy: 96.26%</a:t>
+            </a:r>
+            <a:endParaRPr lang="en-US" sz="3000" dirty="0">
+              <a:solidFill>
+                <a:srgbClr val="595959"/>
+              </a:solidFill>
+              <a:latin typeface="Times New Roman"/>
+              <a:ea typeface="Calibri"/>
+              <a:cs typeface="Times New Roman"/>
+            </a:endParaRPr>
+          </a:p>
+          <a:p>
+            <a:pPr marL="457200" lvl="0" indent="-457200" algn="just">
+              <a:buClr>
+                <a:schemeClr val="tx1">
+                  <a:lumMod val="50000"/>
+                  <a:lumOff val="50000"/>
+                </a:schemeClr>
+              </a:buClr>
+              <a:buFont typeface="Wingdings" panose="05000000000000000000" pitchFamily="2" charset="2"/>
+              <a:buChar char="§"/>
+            </a:pPr>
+            <a:r>
+              <a:rPr lang="en-US" sz="3000" dirty="0">
+                <a:solidFill>
+                  <a:srgbClr val="595959"/>
+                </a:solidFill>
+                <a:latin typeface="Times New Roman"/>
+                <a:ea typeface="Calibri"/>
+                <a:cs typeface="Times New Roman"/>
+                <a:sym typeface="Calibri"/>
+              </a:rPr>
+              <a:t>MAP (Mean accuracy precision):  78.78%</a:t>
+            </a:r>
+            <a:endParaRPr lang="en-US" sz="3000" dirty="0">
+              <a:solidFill>
+                <a:srgbClr val="595959"/>
+              </a:solidFill>
+              <a:latin typeface="Times New Roman"/>
+              <a:ea typeface="Calibri"/>
+              <a:cs typeface="Times New Roman"/>
+            </a:endParaRPr>
+          </a:p>
+          <a:p>
+            <a:pPr marL="457200" lvl="0" indent="-457200" algn="just">
+              <a:buFont typeface="Arial" panose="020B0604020202020204" pitchFamily="34" charset="0"/>
+              <a:buChar char="•"/>
+            </a:pPr>
+            <a:endParaRPr lang="en-US" sz="3000" dirty="0">
+              <a:solidFill>
+                <a:srgbClr val="595959"/>
+              </a:solidFill>
+              <a:latin typeface="Times New Roman" panose="02020603050405020304" pitchFamily="18" charset="0"/>
+              <a:ea typeface="Calibri"/>
+              <a:cs typeface="Times New Roman" panose="02020603050405020304" pitchFamily="18" charset="0"/>
+              <a:sym typeface="Calibri"/>
+            </a:endParaRPr>
+          </a:p>
+          <a:p>
+            <a:pPr marL="457200" lvl="0" indent="-457200" algn="just">
+              <a:buFont typeface="Arial" panose="020B0604020202020204" pitchFamily="34" charset="0"/>
+              <a:buChar char="•"/>
+            </a:pPr>
+            <a:endParaRPr lang="en-US" sz="3000" dirty="0">
+              <a:solidFill>
+                <a:srgbClr val="595959"/>
+              </a:solidFill>
+              <a:latin typeface="Times New Roman" panose="02020603050405020304" pitchFamily="18" charset="0"/>
+              <a:ea typeface="Calibri"/>
+              <a:cs typeface="Times New Roman" panose="02020603050405020304" pitchFamily="18" charset="0"/>
+              <a:sym typeface="Calibri"/>
+            </a:endParaRPr>
+          </a:p>
+          <a:p>
+            <a:pPr lvl="0" algn="just"/>
+            <a:endParaRPr lang="en-US" sz="3000" dirty="0">
+              <a:solidFill>
+                <a:srgbClr val="595959"/>
+              </a:solidFill>
+              <a:latin typeface="Times New Roman" panose="02020603050405020304" pitchFamily="18" charset="0"/>
+              <a:ea typeface="Calibri"/>
+              <a:cs typeface="Times New Roman" panose="02020603050405020304" pitchFamily="18" charset="0"/>
+              <a:sym typeface="Calibri"/>
+            </a:endParaRPr>
+          </a:p>
+          <a:p>
+            <a:pPr marL="457200" lvl="0" indent="-457200" algn="just">
+              <a:buFont typeface="Arial" panose="020B0604020202020204" pitchFamily="34" charset="0"/>
+              <a:buChar char="•"/>
+            </a:pPr>
+            <a:endParaRPr lang="es-ES_tradnl" sz="3000" dirty="0">
+              <a:solidFill>
+                <a:srgbClr val="595959"/>
+              </a:solidFill>
+              <a:latin typeface="Times New Roman" panose="02020603050405020304" pitchFamily="18" charset="0"/>
+              <a:ea typeface="Calibri"/>
+              <a:cs typeface="Times New Roman" panose="02020603050405020304" pitchFamily="18" charset="0"/>
+              <a:sym typeface="Calibri"/>
+            </a:endParaRPr>
+          </a:p>
+        </p:txBody>
+      </p:sp>
+      <p:sp>
+        <p:nvSpPr>
+          <p:cNvPr id="100" name="Google Shape;100;p1"/>
+          <p:cNvSpPr txBox="1"/>
+          <p:nvPr/>
+        </p:nvSpPr>
+        <p:spPr>
+          <a:xfrm>
+            <a:off x="12232322" y="37573639"/>
+            <a:ext cx="8064262" cy="2308324"/>
+          </a:xfrm>
+          <a:prstGeom prst="rect">
+            <a:avLst/>
+          </a:prstGeom>
+          <a:noFill/>
+          <a:ln>
+            <a:noFill/>
+          </a:ln>
+        </p:spPr>
+        <p:txBody>
+          <a:bodyPr spcFirstLastPara="1" wrap="square" lIns="0" tIns="0" rIns="0" bIns="0" anchor="t" anchorCtr="0">
+            <a:spAutoFit/>
+          </a:bodyPr>
+          <a:lstStyle/>
+          <a:p>
+            <a:pPr marL="342900" indent="-342900" algn="just">
+              <a:buClr>
+                <a:srgbClr val="595959"/>
+              </a:buClr>
+              <a:buSzPts val="3000"/>
+              <a:buFont typeface="Noto Sans Symbols"/>
+              <a:buChar char="▪"/>
+            </a:pPr>
+            <a:r>
+              <a:rPr lang="es-ES_tradnl" sz="3000" dirty="0">
                 <a:solidFill>
                   <a:srgbClr val="595959"/>
                 </a:solidFill>
@@ -11894,26 +12254,30 @@
                 <a:cs typeface="Times New Roman" panose="02020603050405020304" pitchFamily="18" charset="0"/>
                 <a:sym typeface="Calibri"/>
               </a:rPr>
-              <a:t>Descripción de su contribución en la solución.</a:t>
+              <a:t>Se estableció factores de penalización para las 4 métricas en el cálculo del error</a:t>
             </a:r>
-          </a:p>
-          <a:p>
-            <a:pPr marL="342900" indent="-342900" algn="just">
-              <a:buClr>
-                <a:srgbClr val="595959"/>
-              </a:buClr>
-              <a:buSzPts val="3000"/>
-              <a:buFont typeface="Noto Sans Symbols"/>
-              <a:buChar char="▪"/>
-            </a:pPr>
-            <a:endParaRPr lang="es-ES_tradnl" sz="3000">
-              <a:solidFill>
-                <a:srgbClr val="595959"/>
-              </a:solidFill>
-              <a:latin typeface="Times New Roman" panose="02020603050405020304" pitchFamily="18" charset="0"/>
-              <a:cs typeface="Times New Roman" panose="02020603050405020304" pitchFamily="18" charset="0"/>
-              <a:sym typeface="Calibri"/>
-            </a:endParaRPr>
+            <a:r>
+              <a:rPr lang="en-US" sz="3000" dirty="0">
+                <a:solidFill>
+                  <a:srgbClr val="595959"/>
+                </a:solidFill>
+                <a:latin typeface="Times New Roman" panose="02020603050405020304" pitchFamily="18" charset="0"/>
+                <a:cs typeface="Times New Roman" panose="02020603050405020304" pitchFamily="18" charset="0"/>
+                <a:sym typeface="Calibri"/>
+              </a:rPr>
+              <a:t>: </a:t>
+            </a:r>
+            <a:r>
+              <a:rPr lang="es-419" sz="3000" dirty="0">
+                <a:solidFill>
+                  <a:srgbClr val="595959"/>
+                </a:solidFill>
+                <a:latin typeface="Times New Roman" panose="02020603050405020304" pitchFamily="18" charset="0"/>
+                <a:cs typeface="Times New Roman" panose="02020603050405020304" pitchFamily="18" charset="0"/>
+                <a:sym typeface="Calibri"/>
+              </a:rPr>
+              <a:t>No objeto, Objeto, Coordenadas del recuadro y Clase identificada; lo que reflejó una mejora en la precisión del tipo de divisa predicha del 11%. </a:t>
+            </a:r>
           </a:p>
         </p:txBody>
       </p:sp>
@@ -11946,7 +12310,7 @@
           <a:p>
             <a:pPr lvl="0"/>
             <a:r>
-              <a:rPr lang="es-ES" sz="4000" b="1" dirty="0">
+              <a:rPr lang="es-ES" sz="4000" b="1">
                 <a:solidFill>
                   <a:schemeClr val="lt1"/>
                 </a:solidFill>
@@ -11956,7 +12320,7 @@
               </a:rPr>
               <a:t>NUESTRA CONTRIBUCIÓN</a:t>
             </a:r>
-            <a:endParaRPr dirty="0">
+            <a:endParaRPr>
               <a:latin typeface="Times New Roman" panose="02020603050405020304" pitchFamily="18" charset="0"/>
               <a:cs typeface="Times New Roman" panose="02020603050405020304" pitchFamily="18" charset="0"/>
             </a:endParaRPr>
@@ -12020,259 +12384,145 @@
           <a:p>
             <a:pPr algn="ctr"/>
             <a:r>
-              <a:rPr lang="en-US" sz="3600" dirty="0"/>
+              <a:rPr lang="en-US" sz="3600"/>
               <a:t>FACULTAD DE INGENIERÍA EN ELECTRICIDAD Y COMPUTACIÓN</a:t>
             </a:r>
           </a:p>
           <a:p>
             <a:pPr algn="ctr"/>
-            <a:endParaRPr lang="en-US" sz="2400" dirty="0"/>
+            <a:endParaRPr lang="en-US" sz="2400"/>
           </a:p>
           <a:p>
             <a:pPr algn="ctr"/>
             <a:r>
-              <a:rPr lang="en-US" sz="2800" dirty="0"/>
+              <a:rPr lang="en-US" sz="2800"/>
               <a:t>INTELIGENCIA ARTIFICIAL</a:t>
             </a:r>
           </a:p>
           <a:p>
             <a:pPr algn="ctr"/>
-            <a:endParaRPr lang="en-US" sz="2400" dirty="0"/>
+            <a:endParaRPr lang="en-US" sz="2400"/>
           </a:p>
         </p:txBody>
       </p:sp>
-      <p:sp>
-        <p:nvSpPr>
-          <p:cNvPr id="9" name="Rectangle 8">
+      <p:pic>
+        <p:nvPicPr>
+          <p:cNvPr id="11" name="Imagen 10" descr="Forma&#10;&#10;Descripción generada automáticamente">
             <a:extLst>
               <a:ext uri="{FF2B5EF4-FFF2-40B4-BE49-F238E27FC236}">
-                <a16:creationId xmlns:a16="http://schemas.microsoft.com/office/drawing/2014/main" id="{6A6BCE4F-B0BC-6848-BD02-CECE6EE69EF2}"/>
+                <a16:creationId xmlns:a16="http://schemas.microsoft.com/office/drawing/2014/main" id="{F2C2106C-5005-4190-90CD-D365DEF419D7}"/>
               </a:ext>
             </a:extLst>
           </p:cNvPr>
-          <p:cNvSpPr/>
+          <p:cNvPicPr>
+            <a:picLocks noChangeAspect="1"/>
+          </p:cNvPicPr>
           <p:nvPr/>
-        </p:nvSpPr>
+        </p:nvPicPr>
+        <p:blipFill rotWithShape="1">
+          <a:blip r:embed="rId4"/>
+          <a:srcRect l="3803" r="7888"/>
+          <a:stretch/>
+        </p:blipFill>
         <p:spPr>
           <a:xfrm>
-            <a:off x="11232357" y="10633811"/>
-            <a:ext cx="8863806" cy="5132706"/>
+            <a:off x="12007516" y="26673194"/>
+            <a:ext cx="8174767" cy="4617696"/>
           </a:xfrm>
           <a:prstGeom prst="rect">
             <a:avLst/>
           </a:prstGeom>
-          <a:solidFill>
-            <a:schemeClr val="bg1">
-              <a:lumMod val="75000"/>
-            </a:schemeClr>
-          </a:solidFill>
         </p:spPr>
-        <p:style>
-          <a:lnRef idx="2">
-            <a:schemeClr val="accent1">
-              <a:shade val="50000"/>
-            </a:schemeClr>
-          </a:lnRef>
-          <a:fillRef idx="1">
-            <a:schemeClr val="accent1"/>
-          </a:fillRef>
-          <a:effectRef idx="0">
-            <a:schemeClr val="accent1"/>
-          </a:effectRef>
-          <a:fontRef idx="minor">
-            <a:schemeClr val="lt1"/>
-          </a:fontRef>
-        </p:style>
-        <p:txBody>
-          <a:bodyPr rtlCol="0" anchor="ctr"/>
-          <a:lstStyle/>
-          <a:p>
-            <a:pPr algn="ctr"/>
-            <a:r>
-              <a:rPr lang="es-ES_tradnl" sz="3600">
-                <a:solidFill>
-                  <a:schemeClr val="tx1"/>
-                </a:solidFill>
-              </a:rPr>
-              <a:t>Figura # 1</a:t>
-            </a:r>
-          </a:p>
-        </p:txBody>
-      </p:sp>
-      <p:sp>
-        <p:nvSpPr>
-          <p:cNvPr id="39" name="Rectangle 38">
+      </p:pic>
+      <p:pic>
+        <p:nvPicPr>
+          <p:cNvPr id="19" name="Imagen 18" descr="Imagen que contiene Texto&#10;&#10;Descripción generada automáticamente">
             <a:extLst>
               <a:ext uri="{FF2B5EF4-FFF2-40B4-BE49-F238E27FC236}">
-                <a16:creationId xmlns:a16="http://schemas.microsoft.com/office/drawing/2014/main" id="{0C57FAF5-EFF1-EA4F-B989-5EF78626C121}"/>
+                <a16:creationId xmlns:a16="http://schemas.microsoft.com/office/drawing/2014/main" id="{9952BBD8-4530-4189-AD81-66ECB47BDFE9}"/>
               </a:ext>
             </a:extLst>
           </p:cNvPr>
-          <p:cNvSpPr/>
+          <p:cNvPicPr>
+            <a:picLocks noChangeAspect="1"/>
+          </p:cNvPicPr>
           <p:nvPr/>
-        </p:nvSpPr>
+        </p:nvPicPr>
+        <p:blipFill rotWithShape="1">
+          <a:blip r:embed="rId5"/>
+          <a:srcRect l="16756" t="5263" r="15535" b="7864"/>
+          <a:stretch/>
+        </p:blipFill>
         <p:spPr>
           <a:xfrm>
-            <a:off x="11232357" y="18314203"/>
-            <a:ext cx="8863806" cy="5819560"/>
+            <a:off x="13106400" y="10271824"/>
+            <a:ext cx="5723944" cy="5508036"/>
           </a:xfrm>
           <a:prstGeom prst="rect">
             <a:avLst/>
           </a:prstGeom>
-          <a:solidFill>
-            <a:schemeClr val="bg1">
-              <a:lumMod val="75000"/>
-            </a:schemeClr>
-          </a:solidFill>
         </p:spPr>
-        <p:style>
-          <a:lnRef idx="2">
-            <a:schemeClr val="accent1">
-              <a:shade val="50000"/>
-            </a:schemeClr>
-          </a:lnRef>
-          <a:fillRef idx="1">
-            <a:schemeClr val="accent1"/>
-          </a:fillRef>
-          <a:effectRef idx="0">
-            <a:schemeClr val="accent1"/>
-          </a:effectRef>
-          <a:fontRef idx="minor">
-            <a:schemeClr val="lt1"/>
-          </a:fontRef>
-        </p:style>
-        <p:txBody>
-          <a:bodyPr rtlCol="0" anchor="ctr"/>
-          <a:lstStyle/>
-          <a:p>
-            <a:pPr algn="ctr"/>
-            <a:r>
-              <a:rPr lang="es-ES_tradnl" sz="3600" dirty="0">
-                <a:solidFill>
-                  <a:schemeClr val="tx1"/>
-                </a:solidFill>
-              </a:rPr>
-              <a:t>Figura # 2</a:t>
-            </a:r>
-          </a:p>
-        </p:txBody>
-      </p:sp>
-      <p:sp>
-        <p:nvSpPr>
-          <p:cNvPr id="40" name="Rectangle 39">
+      </p:pic>
+      <p:pic>
+        <p:nvPicPr>
+          <p:cNvPr id="6" name="Imagen 5" descr="Gráfico, Gráfico de líneas&#10;&#10;Descripción generada automáticamente">
             <a:extLst>
               <a:ext uri="{FF2B5EF4-FFF2-40B4-BE49-F238E27FC236}">
-                <a16:creationId xmlns:a16="http://schemas.microsoft.com/office/drawing/2014/main" id="{C90470F6-8090-7848-A79F-2E47D9A9841E}"/>
+                <a16:creationId xmlns:a16="http://schemas.microsoft.com/office/drawing/2014/main" id="{F5B1B22C-96F1-463E-B7A5-2D57987E7DA2}"/>
               </a:ext>
             </a:extLst>
           </p:cNvPr>
-          <p:cNvSpPr/>
+          <p:cNvPicPr>
+            <a:picLocks noChangeAspect="1"/>
+          </p:cNvPicPr>
           <p:nvPr/>
-        </p:nvSpPr>
+        </p:nvPicPr>
+        <p:blipFill>
+          <a:blip r:embed="rId6"/>
+          <a:stretch>
+            <a:fillRect/>
+          </a:stretch>
+        </p:blipFill>
         <p:spPr>
           <a:xfrm>
-            <a:off x="11232357" y="26943009"/>
-            <a:ext cx="8863806" cy="4441788"/>
+            <a:off x="11709221" y="31567829"/>
+            <a:ext cx="9169579" cy="4584789"/>
           </a:xfrm>
           <a:prstGeom prst="rect">
             <a:avLst/>
           </a:prstGeom>
-          <a:solidFill>
-            <a:schemeClr val="bg1">
-              <a:lumMod val="75000"/>
-            </a:schemeClr>
-          </a:solidFill>
         </p:spPr>
-        <p:style>
-          <a:lnRef idx="2">
-            <a:schemeClr val="accent1">
-              <a:shade val="50000"/>
-            </a:schemeClr>
-          </a:lnRef>
-          <a:fillRef idx="1">
-            <a:schemeClr val="accent1"/>
-          </a:fillRef>
-          <a:effectRef idx="0">
-            <a:schemeClr val="accent1"/>
-          </a:effectRef>
-          <a:fontRef idx="minor">
-            <a:schemeClr val="lt1"/>
-          </a:fontRef>
-        </p:style>
-        <p:txBody>
-          <a:bodyPr rtlCol="0" anchor="ctr"/>
-          <a:lstStyle/>
-          <a:p>
-            <a:pPr algn="ctr"/>
-            <a:r>
-              <a:rPr lang="es-ES_tradnl" sz="3600" dirty="0">
-                <a:solidFill>
-                  <a:schemeClr val="tx1"/>
-                </a:solidFill>
-              </a:rPr>
-              <a:t>Figura # 3</a:t>
-            </a:r>
-          </a:p>
-        </p:txBody>
-      </p:sp>
-      <p:sp>
-        <p:nvSpPr>
-          <p:cNvPr id="41" name="Rectangle 40">
+      </p:pic>
+      <p:pic>
+        <p:nvPicPr>
+          <p:cNvPr id="13" name="Imagen 12" descr="Diagrama&#10;&#10;Descripción generada automáticamente">
             <a:extLst>
               <a:ext uri="{FF2B5EF4-FFF2-40B4-BE49-F238E27FC236}">
-                <a16:creationId xmlns:a16="http://schemas.microsoft.com/office/drawing/2014/main" id="{D8EB4C68-ECC3-9548-B991-901796DE86F5}"/>
+                <a16:creationId xmlns:a16="http://schemas.microsoft.com/office/drawing/2014/main" id="{5D6F9803-21F5-465A-993D-6627E3D1781F}"/>
               </a:ext>
             </a:extLst>
           </p:cNvPr>
-          <p:cNvSpPr/>
+          <p:cNvPicPr>
+            <a:picLocks noChangeAspect="1"/>
+          </p:cNvPicPr>
           <p:nvPr/>
-        </p:nvSpPr>
+        </p:nvPicPr>
+        <p:blipFill>
+          <a:blip r:embed="rId7"/>
+          <a:stretch>
+            <a:fillRect/>
+          </a:stretch>
+        </p:blipFill>
         <p:spPr>
           <a:xfrm>
-            <a:off x="11238708" y="31670221"/>
-            <a:ext cx="8863806" cy="4441788"/>
+            <a:off x="9555588" y="16808492"/>
+            <a:ext cx="12007202" cy="8613022"/>
           </a:xfrm>
           <a:prstGeom prst="rect">
             <a:avLst/>
           </a:prstGeom>
-          <a:solidFill>
-            <a:schemeClr val="bg1">
-              <a:lumMod val="75000"/>
-            </a:schemeClr>
-          </a:solidFill>
         </p:spPr>
-        <p:style>
-          <a:lnRef idx="2">
-            <a:schemeClr val="accent1">
-              <a:shade val="50000"/>
-            </a:schemeClr>
-          </a:lnRef>
-          <a:fillRef idx="1">
-            <a:schemeClr val="accent1"/>
-          </a:fillRef>
-          <a:effectRef idx="0">
-            <a:schemeClr val="accent1"/>
-          </a:effectRef>
-          <a:fontRef idx="minor">
-            <a:schemeClr val="lt1"/>
-          </a:fontRef>
-        </p:style>
-        <p:txBody>
-          <a:bodyPr rtlCol="0" anchor="ctr"/>
-          <a:lstStyle/>
-          <a:p>
-            <a:pPr algn="ctr"/>
-            <a:r>
-              <a:rPr lang="es-ES_tradnl" sz="3600" dirty="0">
-                <a:solidFill>
-                  <a:schemeClr val="tx1"/>
-                </a:solidFill>
-              </a:rPr>
-              <a:t>Figura # 4</a:t>
-            </a:r>
-          </a:p>
-        </p:txBody>
-      </p:sp>
+      </p:pic>
     </p:spTree>
   </p:cSld>
   <p:clrMapOvr>
@@ -12841,4 +13091,292 @@
   <a:objectDefaults/>
   <a:extraClrSchemeLst/>
 </a:theme>
+</file>
+
+<file path=customXml/item1.xml><?xml version="1.0" encoding="utf-8"?>
+<p:properties xmlns:p="http://schemas.microsoft.com/office/2006/metadata/properties" xmlns:xsi="http://www.w3.org/2001/XMLSchema-instance" xmlns:pc="http://schemas.microsoft.com/office/infopath/2007/PartnerControls">
+  <documentManagement/>
+</p:properties>
+</file>
+
+<file path=customXml/item2.xml><?xml version="1.0" encoding="utf-8"?>
+<ct:contentTypeSchema xmlns:ct="http://schemas.microsoft.com/office/2006/metadata/contentType" xmlns:ma="http://schemas.microsoft.com/office/2006/metadata/properties/metaAttributes" ct:_="" ma:_="" ma:contentTypeName="Documento" ma:contentTypeID="0x0101000ABC46EDA268834388609BD5B286F917" ma:contentTypeVersion="14" ma:contentTypeDescription="Crear nuevo documento." ma:contentTypeScope="" ma:versionID="ca3fa11133e8c7a5596a065c350b0283">
+  <xsd:schema xmlns:xsd="http://www.w3.org/2001/XMLSchema" xmlns:xs="http://www.w3.org/2001/XMLSchema" xmlns:p="http://schemas.microsoft.com/office/2006/metadata/properties" xmlns:ns3="98b3f1ad-107c-497c-bb15-64aaebc89f52" xmlns:ns4="a0690ee9-4047-4223-84b2-6b02f926f5d8" targetNamespace="http://schemas.microsoft.com/office/2006/metadata/properties" ma:root="true" ma:fieldsID="b9ad6bb554c8a6687e30e83f4be89ed9" ns3:_="" ns4:_="">
+    <xsd:import namespace="98b3f1ad-107c-497c-bb15-64aaebc89f52"/>
+    <xsd:import namespace="a0690ee9-4047-4223-84b2-6b02f926f5d8"/>
+    <xsd:element name="properties">
+      <xsd:complexType>
+        <xsd:sequence>
+          <xsd:element name="documentManagement">
+            <xsd:complexType>
+              <xsd:all>
+                <xsd:element ref="ns3:MediaServiceMetadata" minOccurs="0"/>
+                <xsd:element ref="ns3:MediaServiceFastMetadata" minOccurs="0"/>
+                <xsd:element ref="ns3:MediaServiceAutoTags" minOccurs="0"/>
+                <xsd:element ref="ns3:MediaServiceDateTaken" minOccurs="0"/>
+                <xsd:element ref="ns4:SharedWithUsers" minOccurs="0"/>
+                <xsd:element ref="ns3:MediaServiceOCR" minOccurs="0"/>
+                <xsd:element ref="ns4:SharedWithDetails" minOccurs="0"/>
+                <xsd:element ref="ns4:SharingHintHash" minOccurs="0"/>
+                <xsd:element ref="ns3:MediaServiceGenerationTime" minOccurs="0"/>
+                <xsd:element ref="ns3:MediaServiceEventHashCode" minOccurs="0"/>
+                <xsd:element ref="ns3:MediaServiceLocation" minOccurs="0"/>
+                <xsd:element ref="ns3:MediaServiceAutoKeyPoints" minOccurs="0"/>
+                <xsd:element ref="ns3:MediaServiceKeyPoints" minOccurs="0"/>
+                <xsd:element ref="ns3:MediaLengthInSeconds" minOccurs="0"/>
+              </xsd:all>
+            </xsd:complexType>
+          </xsd:element>
+        </xsd:sequence>
+      </xsd:complexType>
+    </xsd:element>
+  </xsd:schema>
+  <xsd:schema xmlns:xsd="http://www.w3.org/2001/XMLSchema" xmlns:xs="http://www.w3.org/2001/XMLSchema" xmlns:dms="http://schemas.microsoft.com/office/2006/documentManagement/types" xmlns:pc="http://schemas.microsoft.com/office/infopath/2007/PartnerControls" targetNamespace="98b3f1ad-107c-497c-bb15-64aaebc89f52" elementFormDefault="qualified">
+    <xsd:import namespace="http://schemas.microsoft.com/office/2006/documentManagement/types"/>
+    <xsd:import namespace="http://schemas.microsoft.com/office/infopath/2007/PartnerControls"/>
+    <xsd:element name="MediaServiceMetadata" ma:index="8" nillable="true" ma:displayName="MediaServiceMetadata" ma:description="" ma:hidden="true" ma:internalName="MediaServiceMetadata" ma:readOnly="true">
+      <xsd:simpleType>
+        <xsd:restriction base="dms:Note"/>
+      </xsd:simpleType>
+    </xsd:element>
+    <xsd:element name="MediaServiceFastMetadata" ma:index="9" nillable="true" ma:displayName="MediaServiceFastMetadata" ma:description="" ma:hidden="true" ma:internalName="MediaServiceFastMetadata" ma:readOnly="true">
+      <xsd:simpleType>
+        <xsd:restriction base="dms:Note"/>
+      </xsd:simpleType>
+    </xsd:element>
+    <xsd:element name="MediaServiceAutoTags" ma:index="10" nillable="true" ma:displayName="MediaServiceAutoTags" ma:description="" ma:internalName="MediaServiceAutoTags" ma:readOnly="true">
+      <xsd:simpleType>
+        <xsd:restriction base="dms:Text"/>
+      </xsd:simpleType>
+    </xsd:element>
+    <xsd:element name="MediaServiceDateTaken" ma:index="11" nillable="true" ma:displayName="MediaServiceDateTaken" ma:description="" ma:hidden="true" ma:internalName="MediaServiceDateTaken" ma:readOnly="true">
+      <xsd:simpleType>
+        <xsd:restriction base="dms:Text"/>
+      </xsd:simpleType>
+    </xsd:element>
+    <xsd:element name="MediaServiceOCR" ma:index="13" nillable="true" ma:displayName="MediaServiceOCR" ma:internalName="MediaServiceOCR" ma:readOnly="true">
+      <xsd:simpleType>
+        <xsd:restriction base="dms:Note">
+          <xsd:maxLength value="255"/>
+        </xsd:restriction>
+      </xsd:simpleType>
+    </xsd:element>
+    <xsd:element name="MediaServiceGenerationTime" ma:index="16" nillable="true" ma:displayName="MediaServiceGenerationTime" ma:hidden="true" ma:internalName="MediaServiceGenerationTime" ma:readOnly="true">
+      <xsd:simpleType>
+        <xsd:restriction base="dms:Text"/>
+      </xsd:simpleType>
+    </xsd:element>
+    <xsd:element name="MediaServiceEventHashCode" ma:index="17" nillable="true" ma:displayName="MediaServiceEventHashCode" ma:hidden="true" ma:internalName="MediaServiceEventHashCode" ma:readOnly="true">
+      <xsd:simpleType>
+        <xsd:restriction base="dms:Text"/>
+      </xsd:simpleType>
+    </xsd:element>
+    <xsd:element name="MediaServiceLocation" ma:index="18" nillable="true" ma:displayName="Location" ma:internalName="MediaServiceLocation" ma:readOnly="true">
+      <xsd:simpleType>
+        <xsd:restriction base="dms:Text"/>
+      </xsd:simpleType>
+    </xsd:element>
+    <xsd:element name="MediaServiceAutoKeyPoints" ma:index="19" nillable="true" ma:displayName="MediaServiceAutoKeyPoints" ma:hidden="true" ma:internalName="MediaServiceAutoKeyPoints" ma:readOnly="true">
+      <xsd:simpleType>
+        <xsd:restriction base="dms:Note"/>
+      </xsd:simpleType>
+    </xsd:element>
+    <xsd:element name="MediaServiceKeyPoints" ma:index="20" nillable="true" ma:displayName="KeyPoints" ma:internalName="MediaServiceKeyPoints" ma:readOnly="true">
+      <xsd:simpleType>
+        <xsd:restriction base="dms:Note">
+          <xsd:maxLength value="255"/>
+        </xsd:restriction>
+      </xsd:simpleType>
+    </xsd:element>
+    <xsd:element name="MediaLengthInSeconds" ma:index="21" nillable="true" ma:displayName="Length (seconds)" ma:internalName="MediaLengthInSeconds" ma:readOnly="true">
+      <xsd:simpleType>
+        <xsd:restriction base="dms:Unknown"/>
+      </xsd:simpleType>
+    </xsd:element>
+  </xsd:schema>
+  <xsd:schema xmlns:xsd="http://www.w3.org/2001/XMLSchema" xmlns:xs="http://www.w3.org/2001/XMLSchema" xmlns:dms="http://schemas.microsoft.com/office/2006/documentManagement/types" xmlns:pc="http://schemas.microsoft.com/office/infopath/2007/PartnerControls" targetNamespace="a0690ee9-4047-4223-84b2-6b02f926f5d8" elementFormDefault="qualified">
+    <xsd:import namespace="http://schemas.microsoft.com/office/2006/documentManagement/types"/>
+    <xsd:import namespace="http://schemas.microsoft.com/office/infopath/2007/PartnerControls"/>
+    <xsd:element name="SharedWithUsers" ma:index="12" nillable="true" ma:displayName="Compartido con" ma:internalName="SharedWithUsers" ma:readOnly="true">
+      <xsd:complexType>
+        <xsd:complexContent>
+          <xsd:extension base="dms:UserMulti">
+            <xsd:sequence>
+              <xsd:element name="UserInfo" minOccurs="0" maxOccurs="unbounded">
+                <xsd:complexType>
+                  <xsd:sequence>
+                    <xsd:element name="DisplayName" type="xsd:string" minOccurs="0"/>
+                    <xsd:element name="AccountId" type="dms:UserId" minOccurs="0" nillable="true"/>
+                    <xsd:element name="AccountType" type="xsd:string" minOccurs="0"/>
+                  </xsd:sequence>
+                </xsd:complexType>
+              </xsd:element>
+            </xsd:sequence>
+          </xsd:extension>
+        </xsd:complexContent>
+      </xsd:complexType>
+    </xsd:element>
+    <xsd:element name="SharedWithDetails" ma:index="14" nillable="true" ma:displayName="Detalles de uso compartido" ma:internalName="SharedWithDetails" ma:readOnly="true">
+      <xsd:simpleType>
+        <xsd:restriction base="dms:Note">
+          <xsd:maxLength value="255"/>
+        </xsd:restriction>
+      </xsd:simpleType>
+    </xsd:element>
+    <xsd:element name="SharingHintHash" ma:index="15" nillable="true" ma:displayName="Hash de la sugerencia para compartir" ma:hidden="true" ma:internalName="SharingHintHash" ma:readOnly="true">
+      <xsd:simpleType>
+        <xsd:restriction base="dms:Text"/>
+      </xsd:simpleType>
+    </xsd:element>
+  </xsd:schema>
+  <xsd:schema xmlns="http://schemas.openxmlformats.org/package/2006/metadata/core-properties" xmlns:xsd="http://www.w3.org/2001/XMLSchema" xmlns:xsi="http://www.w3.org/2001/XMLSchema-instance" xmlns:dc="http://purl.org/dc/elements/1.1/" xmlns:dcterms="http://purl.org/dc/terms/" xmlns:odoc="http://schemas.microsoft.com/internal/obd" targetNamespace="http://schemas.openxmlformats.org/package/2006/metadata/core-properties" elementFormDefault="qualified" attributeFormDefault="unqualified" blockDefault="#all">
+    <xsd:import namespace="http://purl.org/dc/elements/1.1/" schemaLocation="http://dublincore.org/schemas/xmls/qdc/2003/04/02/dc.xsd"/>
+    <xsd:import namespace="http://purl.org/dc/terms/" schemaLocation="http://dublincore.org/schemas/xmls/qdc/2003/04/02/dcterms.xsd"/>
+    <xsd:element name="coreProperties" type="CT_coreProperties"/>
+    <xsd:complexType name="CT_coreProperties">
+      <xsd:all>
+        <xsd:element ref="dc:creator" minOccurs="0" maxOccurs="1"/>
+        <xsd:element ref="dcterms:created" minOccurs="0" maxOccurs="1"/>
+        <xsd:element ref="dc:identifier" minOccurs="0" maxOccurs="1"/>
+        <xsd:element name="contentType" minOccurs="0" maxOccurs="1" type="xsd:string" ma:index="0" ma:displayName="Tipo de contenido"/>
+        <xsd:element ref="dc:title" minOccurs="0" maxOccurs="1" ma:index="4" ma:displayName="Título"/>
+        <xsd:element ref="dc:subject" minOccurs="0" maxOccurs="1"/>
+        <xsd:element ref="dc:description" minOccurs="0" maxOccurs="1"/>
+        <xsd:element name="keywords" minOccurs="0" maxOccurs="1" type="xsd:string"/>
+        <xsd:element ref="dc:language" minOccurs="0" maxOccurs="1"/>
+        <xsd:element name="category" minOccurs="0" maxOccurs="1" type="xsd:string"/>
+        <xsd:element name="version" minOccurs="0" maxOccurs="1" type="xsd:string"/>
+        <xsd:element name="revision" minOccurs="0" maxOccurs="1" type="xsd:string">
+          <xsd:annotation>
+            <xsd:documentation>
+                        This value indicates the number of saves or revisions. The application is responsible for updating this value after each revision.
+                    </xsd:documentation>
+          </xsd:annotation>
+        </xsd:element>
+        <xsd:element name="lastModifiedBy" minOccurs="0" maxOccurs="1" type="xsd:string"/>
+        <xsd:element ref="dcterms:modified" minOccurs="0" maxOccurs="1"/>
+        <xsd:element name="contentStatus" minOccurs="0" maxOccurs="1" type="xsd:string"/>
+      </xsd:all>
+    </xsd:complexType>
+  </xsd:schema>
+  <xs:schema xmlns:pc="http://schemas.microsoft.com/office/infopath/2007/PartnerControls" xmlns:xs="http://www.w3.org/2001/XMLSchema" targetNamespace="http://schemas.microsoft.com/office/infopath/2007/PartnerControls" elementFormDefault="qualified" attributeFormDefault="unqualified">
+    <xs:element name="Person">
+      <xs:complexType>
+        <xs:sequence>
+          <xs:element ref="pc:DisplayName" minOccurs="0"/>
+          <xs:element ref="pc:AccountId" minOccurs="0"/>
+          <xs:element ref="pc:AccountType" minOccurs="0"/>
+        </xs:sequence>
+      </xs:complexType>
+    </xs:element>
+    <xs:element name="DisplayName" type="xs:string"/>
+    <xs:element name="AccountId" type="xs:string"/>
+    <xs:element name="AccountType" type="xs:string"/>
+    <xs:element name="BDCAssociatedEntity">
+      <xs:complexType>
+        <xs:sequence>
+          <xs:element ref="pc:BDCEntity" minOccurs="0" maxOccurs="unbounded"/>
+        </xs:sequence>
+        <xs:attribute ref="pc:EntityNamespace"/>
+        <xs:attribute ref="pc:EntityName"/>
+        <xs:attribute ref="pc:SystemInstanceName"/>
+        <xs:attribute ref="pc:AssociationName"/>
+      </xs:complexType>
+    </xs:element>
+    <xs:attribute name="EntityNamespace" type="xs:string"/>
+    <xs:attribute name="EntityName" type="xs:string"/>
+    <xs:attribute name="SystemInstanceName" type="xs:string"/>
+    <xs:attribute name="AssociationName" type="xs:string"/>
+    <xs:element name="BDCEntity">
+      <xs:complexType>
+        <xs:sequence>
+          <xs:element ref="pc:EntityDisplayName" minOccurs="0"/>
+          <xs:element ref="pc:EntityInstanceReference" minOccurs="0"/>
+          <xs:element ref="pc:EntityId1" minOccurs="0"/>
+          <xs:element ref="pc:EntityId2" minOccurs="0"/>
+          <xs:element ref="pc:EntityId3" minOccurs="0"/>
+          <xs:element ref="pc:EntityId4" minOccurs="0"/>
+          <xs:element ref="pc:EntityId5" minOccurs="0"/>
+        </xs:sequence>
+      </xs:complexType>
+    </xs:element>
+    <xs:element name="EntityDisplayName" type="xs:string"/>
+    <xs:element name="EntityInstanceReference" type="xs:string"/>
+    <xs:element name="EntityId1" type="xs:string"/>
+    <xs:element name="EntityId2" type="xs:string"/>
+    <xs:element name="EntityId3" type="xs:string"/>
+    <xs:element name="EntityId4" type="xs:string"/>
+    <xs:element name="EntityId5" type="xs:string"/>
+    <xs:element name="Terms">
+      <xs:complexType>
+        <xs:sequence>
+          <xs:element ref="pc:TermInfo" minOccurs="0" maxOccurs="unbounded"/>
+        </xs:sequence>
+      </xs:complexType>
+    </xs:element>
+    <xs:element name="TermInfo">
+      <xs:complexType>
+        <xs:sequence>
+          <xs:element ref="pc:TermName" minOccurs="0"/>
+          <xs:element ref="pc:TermId" minOccurs="0"/>
+        </xs:sequence>
+      </xs:complexType>
+    </xs:element>
+    <xs:element name="TermName" type="xs:string"/>
+    <xs:element name="TermId" type="xs:string"/>
+  </xs:schema>
+</ct:contentTypeSchema>
+</file>
+
+<file path=customXml/item3.xml><?xml version="1.0" encoding="utf-8"?>
+<?mso-contentType ?>
+<FormTemplates xmlns="http://schemas.microsoft.com/sharepoint/v3/contenttype/forms">
+  <Display>DocumentLibraryForm</Display>
+  <Edit>DocumentLibraryForm</Edit>
+  <New>DocumentLibraryForm</New>
+</FormTemplates>
+</file>
+
+<file path=customXml/itemProps1.xml><?xml version="1.0" encoding="utf-8"?>
+<ds:datastoreItem xmlns:ds="http://schemas.openxmlformats.org/officeDocument/2006/customXml" ds:itemID="{2E6D6E96-2D15-4909-BEF3-495A5AF2E405}">
+  <ds:schemaRefs>
+    <ds:schemaRef ds:uri="98b3f1ad-107c-497c-bb15-64aaebc89f52"/>
+    <ds:schemaRef ds:uri="a0690ee9-4047-4223-84b2-6b02f926f5d8"/>
+    <ds:schemaRef ds:uri="http://purl.org/dc/dcmitype/"/>
+    <ds:schemaRef ds:uri="http://purl.org/dc/elements/1.1/"/>
+    <ds:schemaRef ds:uri="http://purl.org/dc/terms/"/>
+    <ds:schemaRef ds:uri="http://schemas.microsoft.com/office/2006/documentManagement/types"/>
+    <ds:schemaRef ds:uri="http://schemas.microsoft.com/office/2006/metadata/properties"/>
+    <ds:schemaRef ds:uri="http://schemas.microsoft.com/office/infopath/2007/PartnerControls"/>
+    <ds:schemaRef ds:uri="http://schemas.openxmlformats.org/package/2006/metadata/core-properties"/>
+    <ds:schemaRef ds:uri="http://www.w3.org/XML/1998/namespace"/>
+  </ds:schemaRefs>
+</ds:datastoreItem>
+</file>
+
+<file path=customXml/itemProps2.xml><?xml version="1.0" encoding="utf-8"?>
+<ds:datastoreItem xmlns:ds="http://schemas.openxmlformats.org/officeDocument/2006/customXml" ds:itemID="{12F0DC32-F927-4824-B82D-148958F0D5AF}">
+  <ds:schemaRefs>
+    <ds:schemaRef ds:uri="98b3f1ad-107c-497c-bb15-64aaebc89f52"/>
+    <ds:schemaRef ds:uri="a0690ee9-4047-4223-84b2-6b02f926f5d8"/>
+    <ds:schemaRef ds:uri="http://purl.org/dc/elements/1.1/"/>
+    <ds:schemaRef ds:uri="http://purl.org/dc/terms/"/>
+    <ds:schemaRef ds:uri="http://schemas.microsoft.com/internal/obd"/>
+    <ds:schemaRef ds:uri="http://schemas.microsoft.com/office/2006/documentManagement/types"/>
+    <ds:schemaRef ds:uri="http://schemas.microsoft.com/office/2006/metadata/contentType"/>
+    <ds:schemaRef ds:uri="http://schemas.microsoft.com/office/2006/metadata/properties"/>
+    <ds:schemaRef ds:uri="http://schemas.microsoft.com/office/2006/metadata/properties/metaAttributes"/>
+    <ds:schemaRef ds:uri="http://schemas.microsoft.com/office/infopath/2007/PartnerControls"/>
+    <ds:schemaRef ds:uri="http://schemas.openxmlformats.org/package/2006/metadata/core-properties"/>
+    <ds:schemaRef ds:uri="http://www.w3.org/2001/XMLSchema"/>
+  </ds:schemaRefs>
+</ds:datastoreItem>
+</file>
+
+<file path=customXml/itemProps3.xml><?xml version="1.0" encoding="utf-8"?>
+<ds:datastoreItem xmlns:ds="http://schemas.openxmlformats.org/officeDocument/2006/customXml" ds:itemID="{C0A08A18-F237-4ACC-9C73-572662C8D094}">
+  <ds:schemaRefs>
+    <ds:schemaRef ds:uri="http://schemas.microsoft.com/sharepoint/v3/contenttype/forms"/>
+  </ds:schemaRefs>
+</ds:datastoreItem>
 </file>